--- a/Lessons/J_Equities/EquityTrading.pptx
+++ b/Lessons/J_Equities/EquityTrading.pptx
@@ -34,8 +34,8 @@
     <p:sldId id="467" r:id="rId25"/>
     <p:sldId id="468" r:id="rId26"/>
     <p:sldId id="469" r:id="rId27"/>
-    <p:sldId id="516" r:id="rId28"/>
-    <p:sldId id="515" r:id="rId29"/>
+    <p:sldId id="515" r:id="rId28"/>
+    <p:sldId id="516" r:id="rId29"/>
     <p:sldId id="509" r:id="rId30"/>
     <p:sldId id="510" r:id="rId31"/>
     <p:sldId id="484" r:id="rId32"/>
@@ -288,7 +288,7 @@
           <a:p>
             <a:fld id="{B0C0A60C-850A-4EA4-9C14-A8FE98B94505}" type="datetimeFigureOut">
               <a:rPr lang="en-US" smtClean="0"/>
-              <a:t>11/1/20</a:t>
+              <a:t>4/12/21</a:t>
             </a:fld>
             <a:endParaRPr lang="en-US"/>
           </a:p>
@@ -1471,7 +1471,7 @@
           <a:p>
             <a:fld id="{5738B90E-0779-4C36-915C-6F05FCD89456}" type="datetime1">
               <a:rPr lang="en-US" smtClean="0"/>
-              <a:t>11/1/20</a:t>
+              <a:t>4/12/21</a:t>
             </a:fld>
             <a:endParaRPr lang="en-US"/>
           </a:p>
@@ -1621,7 +1621,7 @@
           <a:p>
             <a:fld id="{7B9EA29D-D431-42FE-B7B6-AAE4454C77D3}" type="datetime1">
               <a:rPr lang="en-US" smtClean="0"/>
-              <a:t>11/1/20</a:t>
+              <a:t>4/12/21</a:t>
             </a:fld>
             <a:endParaRPr lang="en-US"/>
           </a:p>
@@ -1822,7 +1822,7 @@
           <a:p>
             <a:fld id="{690D8A1E-EA8F-46C1-B891-AE0C00D9C314}" type="datetime1">
               <a:rPr lang="en-US" smtClean="0"/>
-              <a:t>11/1/20</a:t>
+              <a:t>4/12/21</a:t>
             </a:fld>
             <a:endParaRPr lang="en-US"/>
           </a:p>
@@ -2102,7 +2102,7 @@
           <a:p>
             <a:fld id="{69BE256C-8D9A-4404-B47D-41A1AE514425}" type="datetime1">
               <a:rPr lang="en-US" smtClean="0"/>
-              <a:t>11/1/20</a:t>
+              <a:t>4/12/21</a:t>
             </a:fld>
             <a:endParaRPr lang="en-US"/>
           </a:p>
@@ -2501,7 +2501,7 @@
           <a:p>
             <a:fld id="{66CB2154-9035-4012-8189-BAAB61C5A5EE}" type="datetime1">
               <a:rPr lang="en-US" smtClean="0"/>
-              <a:t>11/1/20</a:t>
+              <a:t>4/12/21</a:t>
             </a:fld>
             <a:endParaRPr lang="en-US"/>
           </a:p>
@@ -2647,7 +2647,7 @@
           <a:p>
             <a:fld id="{6700A58B-DD98-43D0-B791-721480A02982}" type="datetime1">
               <a:rPr lang="en-US" smtClean="0"/>
-              <a:t>11/1/20</a:t>
+              <a:t>4/12/21</a:t>
             </a:fld>
             <a:endParaRPr lang="en-US"/>
           </a:p>
@@ -2953,7 +2953,7 @@
           <a:p>
             <a:fld id="{4142EED6-FC16-45B9-B8C4-2BC5DBA88325}" type="datetime1">
               <a:rPr lang="en-US" smtClean="0"/>
-              <a:t>11/1/20</a:t>
+              <a:t>4/12/21</a:t>
             </a:fld>
             <a:endParaRPr lang="en-US"/>
           </a:p>
@@ -3236,7 +3236,7 @@
           <a:p>
             <a:fld id="{DF59512B-4F1D-43D7-8819-2F53FEF69650}" type="datetime1">
               <a:rPr lang="en-US" smtClean="0"/>
-              <a:t>11/1/20</a:t>
+              <a:t>4/12/21</a:t>
             </a:fld>
             <a:endParaRPr lang="en-US"/>
           </a:p>
@@ -3449,7 +3449,7 @@
           <a:p>
             <a:fld id="{7B9EA29D-D431-42FE-B7B6-AAE4454C77D3}" type="datetime1">
               <a:rPr lang="en-US" smtClean="0"/>
-              <a:t>11/1/20</a:t>
+              <a:t>4/12/21</a:t>
             </a:fld>
             <a:endParaRPr lang="en-US"/>
           </a:p>
@@ -3681,7 +3681,7 @@
           <a:p>
             <a:fld id="{D753EFC8-4232-4598-94F6-94C0EBAFC469}" type="datetime1">
               <a:rPr lang="en-US" smtClean="0"/>
-              <a:t>11/1/20</a:t>
+              <a:t>4/12/21</a:t>
             </a:fld>
             <a:endParaRPr lang="en-US"/>
           </a:p>
@@ -3948,7 +3948,7 @@
           <a:p>
             <a:fld id="{F3161074-1C18-4AE7-957D-F18524378C85}" type="datetime1">
               <a:rPr lang="en-US" smtClean="0"/>
-              <a:t>11/1/20</a:t>
+              <a:t>4/12/21</a:t>
             </a:fld>
             <a:endParaRPr lang="en-US"/>
           </a:p>
@@ -4201,7 +4201,7 @@
           <a:p>
             <a:fld id="{69BE256C-8D9A-4404-B47D-41A1AE514425}" type="datetime1">
               <a:rPr lang="en-US" smtClean="0"/>
-              <a:t>11/1/20</a:t>
+              <a:t>4/12/21</a:t>
             </a:fld>
             <a:endParaRPr lang="en-US"/>
           </a:p>
@@ -4589,7 +4589,7 @@
           <a:p>
             <a:fld id="{66CB2154-9035-4012-8189-BAAB61C5A5EE}" type="datetime1">
               <a:rPr lang="en-US" smtClean="0"/>
-              <a:t>11/1/20</a:t>
+              <a:t>4/12/21</a:t>
             </a:fld>
             <a:endParaRPr lang="en-US"/>
           </a:p>
@@ -4736,7 +4736,7 @@
           <a:p>
             <a:fld id="{6700A58B-DD98-43D0-B791-721480A02982}" type="datetime1">
               <a:rPr lang="en-US" smtClean="0"/>
-              <a:t>11/1/20</a:t>
+              <a:t>4/12/21</a:t>
             </a:fld>
             <a:endParaRPr lang="en-US"/>
           </a:p>
@@ -4852,7 +4852,7 @@
           <a:p>
             <a:fld id="{7DB6E382-4F61-4E24-BE1A-377EC83D0E3A}" type="datetime1">
               <a:rPr lang="en-US" smtClean="0"/>
-              <a:t>11/1/20</a:t>
+              <a:t>4/12/21</a:t>
             </a:fld>
             <a:endParaRPr lang="en-US"/>
           </a:p>
@@ -5183,7 +5183,7 @@
           <a:p>
             <a:fld id="{4142EED6-FC16-45B9-B8C4-2BC5DBA88325}" type="datetime1">
               <a:rPr lang="en-US" smtClean="0"/>
-              <a:t>11/1/20</a:t>
+              <a:t>4/12/21</a:t>
             </a:fld>
             <a:endParaRPr lang="en-US"/>
           </a:p>
@@ -5461,7 +5461,7 @@
           <a:p>
             <a:fld id="{DF59512B-4F1D-43D7-8819-2F53FEF69650}" type="datetime1">
               <a:rPr lang="en-US" smtClean="0"/>
-              <a:t>11/1/20</a:t>
+              <a:t>4/12/21</a:t>
             </a:fld>
             <a:endParaRPr lang="en-US"/>
           </a:p>
@@ -5695,7 +5695,7 @@
           <a:p>
             <a:fld id="{08437B94-E2BF-44DC-ADC5-B05FC9934E9D}" type="datetime1">
               <a:rPr lang="en-US" smtClean="0"/>
-              <a:t>11/1/20</a:t>
+              <a:t>4/12/21</a:t>
             </a:fld>
             <a:endParaRPr lang="en-US"/>
           </a:p>
@@ -6245,7 +6245,7 @@
           <a:p>
             <a:fld id="{5738B90E-0779-4C36-915C-6F05FCD89456}" type="datetime1">
               <a:rPr lang="en-US" smtClean="0"/>
-              <a:t>11/1/20</a:t>
+              <a:t>4/12/21</a:t>
             </a:fld>
             <a:endParaRPr lang="en-US"/>
           </a:p>
@@ -6410,7 +6410,7 @@
           <a:p>
             <a:fld id="{6700A58B-DD98-43D0-B791-721480A02982}" type="datetime1">
               <a:rPr lang="en-US" smtClean="0"/>
-              <a:t>11/1/20</a:t>
+              <a:t>4/12/21</a:t>
             </a:fld>
             <a:endParaRPr lang="en-US"/>
           </a:p>
@@ -6800,7 +6800,7 @@
           <a:p>
             <a:fld id="{6700A58B-DD98-43D0-B791-721480A02982}" type="datetime1">
               <a:rPr lang="en-US" smtClean="0"/>
-              <a:t>11/1/20</a:t>
+              <a:t>4/12/21</a:t>
             </a:fld>
             <a:endParaRPr lang="en-US"/>
           </a:p>
@@ -7196,7 +7196,7 @@
           <a:p>
             <a:fld id="{6700A58B-DD98-43D0-B791-721480A02982}" type="datetime1">
               <a:rPr lang="en-US" smtClean="0"/>
-              <a:t>11/1/20</a:t>
+              <a:t>4/12/21</a:t>
             </a:fld>
             <a:endParaRPr lang="en-US"/>
           </a:p>
@@ -7592,7 +7592,7 @@
           <a:p>
             <a:fld id="{6700A58B-DD98-43D0-B791-721480A02982}" type="datetime1">
               <a:rPr lang="en-US" smtClean="0"/>
-              <a:t>11/1/20</a:t>
+              <a:t>4/12/21</a:t>
             </a:fld>
             <a:endParaRPr lang="en-US"/>
           </a:p>
@@ -7988,7 +7988,7 @@
           <a:p>
             <a:fld id="{6700A58B-DD98-43D0-B791-721480A02982}" type="datetime1">
               <a:rPr lang="en-US" smtClean="0"/>
-              <a:t>11/1/20</a:t>
+              <a:t>4/12/21</a:t>
             </a:fld>
             <a:endParaRPr lang="en-US"/>
           </a:p>
@@ -8384,7 +8384,7 @@
           <a:p>
             <a:fld id="{6700A58B-DD98-43D0-B791-721480A02982}" type="datetime1">
               <a:rPr lang="en-US" smtClean="0"/>
-              <a:t>11/1/20</a:t>
+              <a:t>4/12/21</a:t>
             </a:fld>
             <a:endParaRPr lang="en-US"/>
           </a:p>
@@ -8822,7 +8822,7 @@
           <a:p>
             <a:fld id="{6700A58B-DD98-43D0-B791-721480A02982}" type="datetime1">
               <a:rPr lang="en-US" smtClean="0"/>
-              <a:t>11/1/20</a:t>
+              <a:t>4/12/21</a:t>
             </a:fld>
             <a:endParaRPr lang="en-US"/>
           </a:p>
@@ -9295,7 +9295,7 @@
           <a:p>
             <a:fld id="{6700A58B-DD98-43D0-B791-721480A02982}" type="datetime1">
               <a:rPr lang="en-US" smtClean="0"/>
-              <a:t>11/1/20</a:t>
+              <a:t>4/12/21</a:t>
             </a:fld>
             <a:endParaRPr lang="en-US"/>
           </a:p>
@@ -9790,7 +9790,7 @@
           <a:p>
             <a:fld id="{6700A58B-DD98-43D0-B791-721480A02982}" type="datetime1">
               <a:rPr lang="en-US" smtClean="0"/>
-              <a:t>11/1/20</a:t>
+              <a:t>4/12/21</a:t>
             </a:fld>
             <a:endParaRPr lang="en-US"/>
           </a:p>
@@ -10215,7 +10215,7 @@
           <a:p>
             <a:fld id="{6700A58B-DD98-43D0-B791-721480A02982}" type="datetime1">
               <a:rPr lang="en-US" smtClean="0"/>
-              <a:t>11/1/20</a:t>
+              <a:t>4/12/21</a:t>
             </a:fld>
             <a:endParaRPr lang="en-US"/>
           </a:p>
@@ -11003,7 +11003,7 @@
           <a:p>
             <a:fld id="{9B19E99B-5349-415A-8E56-8E989211A366}" type="datetime1">
               <a:rPr lang="en-US" smtClean="0"/>
-              <a:t>11/1/20</a:t>
+              <a:t>4/12/21</a:t>
             </a:fld>
             <a:endParaRPr lang="en-US"/>
           </a:p>
@@ -11234,7 +11234,7 @@
           <a:p>
             <a:fld id="{6700A58B-DD98-43D0-B791-721480A02982}" type="datetime1">
               <a:rPr lang="en-US" smtClean="0"/>
-              <a:t>11/1/20</a:t>
+              <a:t>4/12/21</a:t>
             </a:fld>
             <a:endParaRPr lang="en-US"/>
           </a:p>
@@ -11948,7 +11948,7 @@
           <a:p>
             <a:fld id="{6700A58B-DD98-43D0-B791-721480A02982}" type="datetime1">
               <a:rPr lang="en-US" smtClean="0"/>
-              <a:t>11/1/20</a:t>
+              <a:t>4/12/21</a:t>
             </a:fld>
             <a:endParaRPr lang="en-US"/>
           </a:p>
@@ -12833,7 +12833,7 @@
           <a:p>
             <a:fld id="{6700A58B-DD98-43D0-B791-721480A02982}" type="datetime1">
               <a:rPr lang="en-US" smtClean="0"/>
-              <a:t>11/1/20</a:t>
+              <a:t>4/12/21</a:t>
             </a:fld>
             <a:endParaRPr lang="en-US"/>
           </a:p>
@@ -13338,7 +13338,7 @@
           <a:p>
             <a:fld id="{6700A58B-DD98-43D0-B791-721480A02982}" type="datetime1">
               <a:rPr lang="en-US" smtClean="0"/>
-              <a:t>11/1/20</a:t>
+              <a:t>4/12/21</a:t>
             </a:fld>
             <a:endParaRPr lang="en-US"/>
           </a:p>
@@ -13792,7 +13792,7 @@
           <a:p>
             <a:fld id="{6700A58B-DD98-43D0-B791-721480A02982}" type="datetime1">
               <a:rPr lang="en-US" smtClean="0"/>
-              <a:t>11/1/20</a:t>
+              <a:t>4/12/21</a:t>
             </a:fld>
             <a:endParaRPr lang="en-US"/>
           </a:p>
@@ -14246,7 +14246,7 @@
           <a:p>
             <a:fld id="{6700A58B-DD98-43D0-B791-721480A02982}" type="datetime1">
               <a:rPr lang="en-US" smtClean="0"/>
-              <a:t>11/1/20</a:t>
+              <a:t>4/12/21</a:t>
             </a:fld>
             <a:endParaRPr lang="en-US"/>
           </a:p>
@@ -14700,7 +14700,7 @@
           <a:p>
             <a:fld id="{6700A58B-DD98-43D0-B791-721480A02982}" type="datetime1">
               <a:rPr lang="en-US" smtClean="0"/>
-              <a:t>11/1/20</a:t>
+              <a:t>4/12/21</a:t>
             </a:fld>
             <a:endParaRPr lang="en-US"/>
           </a:p>
@@ -14870,138 +14870,6 @@
           </a:extLst>
         </p:spPr>
       </p:pic>
-      <p:sp>
-        <p:nvSpPr>
-          <p:cNvPr id="12" name="Slide Number Placeholder 4">
-            <a:extLst>
-              <a:ext uri="{FF2B5EF4-FFF2-40B4-BE49-F238E27FC236}">
-                <a16:creationId xmlns:a16="http://schemas.microsoft.com/office/drawing/2014/main" id="{B8F99F2C-3E13-46EF-B414-FB529DCC5B21}"/>
-              </a:ext>
-            </a:extLst>
-          </p:cNvPr>
-          <p:cNvSpPr txBox="1">
-            <a:spLocks/>
-          </p:cNvSpPr>
-          <p:nvPr/>
-        </p:nvSpPr>
-        <p:spPr>
-          <a:xfrm>
-            <a:off x="8610600" y="6356350"/>
-            <a:ext cx="1996996" cy="365125"/>
-          </a:xfrm>
-          <a:prstGeom prst="rect">
-            <a:avLst/>
-          </a:prstGeom>
-        </p:spPr>
-        <p:txBody>
-          <a:bodyPr vert="horz" lIns="91440" tIns="45720" rIns="91440" bIns="45720" rtlCol="0" anchor="ctr"/>
-          <a:lstStyle>
-            <a:defPPr>
-              <a:defRPr lang="en-US"/>
-            </a:defPPr>
-            <a:lvl1pPr marL="0" algn="r" defTabSz="457200" rtl="0" eaLnBrk="1" latinLnBrk="0" hangingPunct="1">
-              <a:defRPr sz="1200" kern="1200">
-                <a:solidFill>
-                  <a:schemeClr val="tx1">
-                    <a:tint val="75000"/>
-                  </a:schemeClr>
-                </a:solidFill>
-                <a:latin typeface="+mn-lt"/>
-                <a:ea typeface="+mn-ea"/>
-                <a:cs typeface="+mn-cs"/>
-              </a:defRPr>
-            </a:lvl1pPr>
-            <a:lvl2pPr marL="457200" algn="l" defTabSz="457200" rtl="0" eaLnBrk="1" latinLnBrk="0" hangingPunct="1">
-              <a:defRPr sz="1800" kern="1200">
-                <a:solidFill>
-                  <a:schemeClr val="tx1"/>
-                </a:solidFill>
-                <a:latin typeface="+mn-lt"/>
-                <a:ea typeface="+mn-ea"/>
-                <a:cs typeface="+mn-cs"/>
-              </a:defRPr>
-            </a:lvl2pPr>
-            <a:lvl3pPr marL="914400" algn="l" defTabSz="457200" rtl="0" eaLnBrk="1" latinLnBrk="0" hangingPunct="1">
-              <a:defRPr sz="1800" kern="1200">
-                <a:solidFill>
-                  <a:schemeClr val="tx1"/>
-                </a:solidFill>
-                <a:latin typeface="+mn-lt"/>
-                <a:ea typeface="+mn-ea"/>
-                <a:cs typeface="+mn-cs"/>
-              </a:defRPr>
-            </a:lvl3pPr>
-            <a:lvl4pPr marL="1371600" algn="l" defTabSz="457200" rtl="0" eaLnBrk="1" latinLnBrk="0" hangingPunct="1">
-              <a:defRPr sz="1800" kern="1200">
-                <a:solidFill>
-                  <a:schemeClr val="tx1"/>
-                </a:solidFill>
-                <a:latin typeface="+mn-lt"/>
-                <a:ea typeface="+mn-ea"/>
-                <a:cs typeface="+mn-cs"/>
-              </a:defRPr>
-            </a:lvl4pPr>
-            <a:lvl5pPr marL="1828800" algn="l" defTabSz="457200" rtl="0" eaLnBrk="1" latinLnBrk="0" hangingPunct="1">
-              <a:defRPr sz="1800" kern="1200">
-                <a:solidFill>
-                  <a:schemeClr val="tx1"/>
-                </a:solidFill>
-                <a:latin typeface="+mn-lt"/>
-                <a:ea typeface="+mn-ea"/>
-                <a:cs typeface="+mn-cs"/>
-              </a:defRPr>
-            </a:lvl5pPr>
-            <a:lvl6pPr marL="2286000" algn="l" defTabSz="457200" rtl="0" eaLnBrk="1" latinLnBrk="0" hangingPunct="1">
-              <a:defRPr sz="1800" kern="1200">
-                <a:solidFill>
-                  <a:schemeClr val="tx1"/>
-                </a:solidFill>
-                <a:latin typeface="+mn-lt"/>
-                <a:ea typeface="+mn-ea"/>
-                <a:cs typeface="+mn-cs"/>
-              </a:defRPr>
-            </a:lvl6pPr>
-            <a:lvl7pPr marL="2743200" algn="l" defTabSz="457200" rtl="0" eaLnBrk="1" latinLnBrk="0" hangingPunct="1">
-              <a:defRPr sz="1800" kern="1200">
-                <a:solidFill>
-                  <a:schemeClr val="tx1"/>
-                </a:solidFill>
-                <a:latin typeface="+mn-lt"/>
-                <a:ea typeface="+mn-ea"/>
-                <a:cs typeface="+mn-cs"/>
-              </a:defRPr>
-            </a:lvl7pPr>
-            <a:lvl8pPr marL="3200400" algn="l" defTabSz="457200" rtl="0" eaLnBrk="1" latinLnBrk="0" hangingPunct="1">
-              <a:defRPr sz="1800" kern="1200">
-                <a:solidFill>
-                  <a:schemeClr val="tx1"/>
-                </a:solidFill>
-                <a:latin typeface="+mn-lt"/>
-                <a:ea typeface="+mn-ea"/>
-                <a:cs typeface="+mn-cs"/>
-              </a:defRPr>
-            </a:lvl8pPr>
-            <a:lvl9pPr marL="3657600" algn="l" defTabSz="457200" rtl="0" eaLnBrk="1" latinLnBrk="0" hangingPunct="1">
-              <a:defRPr sz="1800" kern="1200">
-                <a:solidFill>
-                  <a:schemeClr val="tx1"/>
-                </a:solidFill>
-                <a:latin typeface="+mn-lt"/>
-                <a:ea typeface="+mn-ea"/>
-                <a:cs typeface="+mn-cs"/>
-              </a:defRPr>
-            </a:lvl9pPr>
-          </a:lstStyle>
-          <a:p>
-            <a:fld id="{37290FF7-652B-4475-AEAB-8B1A5D23AE09}" type="slidenum">
-              <a:rPr lang="en-US" smtClean="0"/>
-              <a:pPr/>
-              <a:t>26</a:t>
-            </a:fld>
-            <a:endParaRPr lang="en-US" dirty="0"/>
-          </a:p>
-        </p:txBody>
-      </p:sp>
       <p:sp>
         <p:nvSpPr>
           <p:cNvPr id="13" name="Rectangle 12">
@@ -15187,7 +15055,7 @@
                   <a:srgbClr val="000000"/>
                 </a:solidFill>
               </a:rPr>
-              <a:t>US Steel Update: Declining Impact of Trade War &amp; Expected “Soft Landing” Recession</a:t>
+              <a:t>US Steel Update: Pandemic Fearful Economic Panic &amp; Uncertainty</a:t>
             </a:r>
           </a:p>
         </p:txBody>
@@ -15242,122 +15110,6 @@
       </p:sp>
       <p:sp>
         <p:nvSpPr>
-          <p:cNvPr id="3" name="Date Placeholder 2">
-            <a:extLst>
-              <a:ext uri="{FF2B5EF4-FFF2-40B4-BE49-F238E27FC236}">
-                <a16:creationId xmlns:a16="http://schemas.microsoft.com/office/drawing/2014/main" id="{93A79EEB-4C34-CC4B-89F1-10BB12271616}"/>
-              </a:ext>
-            </a:extLst>
-          </p:cNvPr>
-          <p:cNvSpPr>
-            <a:spLocks noGrp="1"/>
-          </p:cNvSpPr>
-          <p:nvPr>
-            <p:ph type="dt" sz="half" idx="10"/>
-          </p:nvPr>
-        </p:nvSpPr>
-        <p:spPr>
-          <a:xfrm>
-            <a:off x="7554138" y="6223702"/>
-            <a:ext cx="3108065" cy="314067"/>
-          </a:xfrm>
-        </p:spPr>
-        <p:txBody>
-          <a:bodyPr vert="horz" lIns="91440" tIns="45720" rIns="91440" bIns="45720" rtlCol="0" anchor="ctr">
-            <a:normAutofit/>
-          </a:bodyPr>
-          <a:lstStyle/>
-          <a:p>
-            <a:pPr algn="r" defTabSz="914400">
-              <a:spcAft>
-                <a:spcPts val="600"/>
-              </a:spcAft>
-              <a:defRPr/>
-            </a:pPr>
-            <a:fld id="{6700A58B-DD98-43D0-B791-721480A02982}" type="datetime1">
-              <a:rPr lang="en-US" sz="1000">
-                <a:solidFill>
-                  <a:srgbClr val="898989"/>
-                </a:solidFill>
-                <a:latin typeface="Calibri" panose="020F0502020204030204"/>
-              </a:rPr>
-              <a:pPr algn="r" defTabSz="914400">
-                <a:spcAft>
-                  <a:spcPts val="600"/>
-                </a:spcAft>
-                <a:defRPr/>
-              </a:pPr>
-              <a:t>11/1/20</a:t>
-            </a:fld>
-            <a:endParaRPr lang="en-US" sz="1000">
-              <a:solidFill>
-                <a:srgbClr val="898989"/>
-              </a:solidFill>
-              <a:latin typeface="Calibri" panose="020F0502020204030204"/>
-            </a:endParaRPr>
-          </a:p>
-        </p:txBody>
-      </p:sp>
-      <p:sp>
-        <p:nvSpPr>
-          <p:cNvPr id="5" name="Slide Number Placeholder 4">
-            <a:extLst>
-              <a:ext uri="{FF2B5EF4-FFF2-40B4-BE49-F238E27FC236}">
-                <a16:creationId xmlns:a16="http://schemas.microsoft.com/office/drawing/2014/main" id="{5EF1DC29-158C-BB4B-8432-282578F47A57}"/>
-              </a:ext>
-            </a:extLst>
-          </p:cNvPr>
-          <p:cNvSpPr>
-            <a:spLocks noGrp="1"/>
-          </p:cNvSpPr>
-          <p:nvPr>
-            <p:ph type="sldNum" sz="quarter" idx="4"/>
-          </p:nvPr>
-        </p:nvSpPr>
-        <p:spPr>
-          <a:xfrm>
-            <a:off x="10825930" y="6223702"/>
-            <a:ext cx="570728" cy="314067"/>
-          </a:xfrm>
-        </p:spPr>
-        <p:txBody>
-          <a:bodyPr vert="horz" lIns="91440" tIns="45720" rIns="91440" bIns="45720" rtlCol="0" anchor="ctr">
-            <a:normAutofit/>
-          </a:bodyPr>
-          <a:lstStyle/>
-          <a:p>
-            <a:pPr defTabSz="914400">
-              <a:spcAft>
-                <a:spcPts val="600"/>
-              </a:spcAft>
-              <a:defRPr/>
-            </a:pPr>
-            <a:fld id="{37290FF7-652B-4475-AEAB-8B1A5D23AE09}" type="slidenum">
-              <a:rPr lang="en-US" sz="1000">
-                <a:solidFill>
-                  <a:srgbClr val="898989"/>
-                </a:solidFill>
-                <a:latin typeface="Calibri" panose="020F0502020204030204"/>
-              </a:rPr>
-              <a:pPr defTabSz="914400">
-                <a:spcAft>
-                  <a:spcPts val="600"/>
-                </a:spcAft>
-                <a:defRPr/>
-              </a:pPr>
-              <a:t>27</a:t>
-            </a:fld>
-            <a:endParaRPr lang="en-US" sz="1000">
-              <a:solidFill>
-                <a:srgbClr val="898989"/>
-              </a:solidFill>
-              <a:latin typeface="Calibri" panose="020F0502020204030204"/>
-            </a:endParaRPr>
-          </a:p>
-        </p:txBody>
-      </p:sp>
-      <p:sp>
-        <p:nvSpPr>
           <p:cNvPr id="10" name="Rectangle 9">
             <a:extLst>
               <a:ext uri="{FF2B5EF4-FFF2-40B4-BE49-F238E27FC236}">
@@ -15370,8 +15122,8 @@
         </p:nvSpPr>
         <p:spPr>
           <a:xfrm>
-            <a:off x="6738939" y="2428876"/>
-            <a:ext cx="3190874" cy="1657349"/>
+            <a:off x="10115551" y="3786188"/>
+            <a:ext cx="342900" cy="500062"/>
           </a:xfrm>
           <a:prstGeom prst="rect">
             <a:avLst/>
@@ -15440,16 +15192,557 @@
           </a:p>
         </p:txBody>
       </p:sp>
+      <p:sp>
+        <p:nvSpPr>
+          <p:cNvPr id="12" name="Rectangle 11">
+            <a:extLst>
+              <a:ext uri="{FF2B5EF4-FFF2-40B4-BE49-F238E27FC236}">
+                <a16:creationId xmlns:a16="http://schemas.microsoft.com/office/drawing/2014/main" id="{D94C6684-7B8B-634E-A64E-E13F2D60C482}"/>
+              </a:ext>
+            </a:extLst>
+          </p:cNvPr>
+          <p:cNvSpPr/>
+          <p:nvPr/>
+        </p:nvSpPr>
+        <p:spPr>
+          <a:xfrm>
+            <a:off x="10753725" y="3786188"/>
+            <a:ext cx="1119188" cy="385762"/>
+          </a:xfrm>
+          <a:prstGeom prst="rect">
+            <a:avLst/>
+          </a:prstGeom>
+          <a:noFill/>
+          <a:ln w="38100">
+            <a:solidFill>
+              <a:schemeClr val="accent4"/>
+            </a:solidFill>
+          </a:ln>
+        </p:spPr>
+        <p:style>
+          <a:lnRef idx="2">
+            <a:schemeClr val="accent1">
+              <a:shade val="50000"/>
+            </a:schemeClr>
+          </a:lnRef>
+          <a:fillRef idx="1">
+            <a:schemeClr val="accent1"/>
+          </a:fillRef>
+          <a:effectRef idx="0">
+            <a:schemeClr val="accent1"/>
+          </a:effectRef>
+          <a:fontRef idx="minor">
+            <a:schemeClr val="lt1"/>
+          </a:fontRef>
+        </p:style>
+        <p:txBody>
+          <a:bodyPr rtlCol="0" anchor="ctr"/>
+          <a:lstStyle/>
+          <a:p>
+            <a:pPr algn="ctr"/>
+            <a:endParaRPr lang="en-US"/>
+          </a:p>
+        </p:txBody>
+      </p:sp>
+      <p:sp>
+        <p:nvSpPr>
+          <p:cNvPr id="11" name="Rectangle 10">
+            <a:extLst>
+              <a:ext uri="{FF2B5EF4-FFF2-40B4-BE49-F238E27FC236}">
+                <a16:creationId xmlns:a16="http://schemas.microsoft.com/office/drawing/2014/main" id="{147C9C05-DDF8-B841-A91E-E58BB3C0F32C}"/>
+              </a:ext>
+            </a:extLst>
+          </p:cNvPr>
+          <p:cNvSpPr/>
+          <p:nvPr/>
+        </p:nvSpPr>
+        <p:spPr>
+          <a:xfrm>
+            <a:off x="523874" y="1957811"/>
+            <a:ext cx="4942103" cy="2628044"/>
+          </a:xfrm>
+          <a:prstGeom prst="rect">
+            <a:avLst/>
+          </a:prstGeom>
+          <a:noFill/>
+          <a:ln w="38100">
+            <a:solidFill>
+              <a:schemeClr val="accent4"/>
+            </a:solidFill>
+          </a:ln>
+        </p:spPr>
+        <p:style>
+          <a:lnRef idx="2">
+            <a:schemeClr val="accent1">
+              <a:shade val="50000"/>
+            </a:schemeClr>
+          </a:lnRef>
+          <a:fillRef idx="1">
+            <a:schemeClr val="accent1"/>
+          </a:fillRef>
+          <a:effectRef idx="0">
+            <a:schemeClr val="accent1"/>
+          </a:effectRef>
+          <a:fontRef idx="minor">
+            <a:schemeClr val="lt1"/>
+          </a:fontRef>
+        </p:style>
+        <p:txBody>
+          <a:bodyPr rtlCol="0" anchor="ctr"/>
+          <a:lstStyle/>
+          <a:p>
+            <a:pPr algn="ctr"/>
+            <a:endParaRPr lang="en-US"/>
+          </a:p>
+        </p:txBody>
+      </p:sp>
+      <p:sp>
+        <p:nvSpPr>
+          <p:cNvPr id="13" name="Title 1">
+            <a:extLst>
+              <a:ext uri="{FF2B5EF4-FFF2-40B4-BE49-F238E27FC236}">
+                <a16:creationId xmlns:a16="http://schemas.microsoft.com/office/drawing/2014/main" id="{AC6F39B1-E483-2444-9802-B6F72F8F68B7}"/>
+              </a:ext>
+            </a:extLst>
+          </p:cNvPr>
+          <p:cNvSpPr txBox="1">
+            <a:spLocks/>
+          </p:cNvSpPr>
+          <p:nvPr/>
+        </p:nvSpPr>
+        <p:spPr>
+          <a:xfrm>
+            <a:off x="297440" y="1050202"/>
+            <a:ext cx="4645166" cy="656946"/>
+          </a:xfrm>
+          <a:prstGeom prst="rect">
+            <a:avLst/>
+          </a:prstGeom>
+        </p:spPr>
+        <p:txBody>
+          <a:bodyPr vert="horz" lIns="91440" tIns="45720" rIns="91440" bIns="45720" rtlCol="0" anchor="t">
+            <a:noAutofit/>
+          </a:bodyPr>
+          <a:lstStyle>
+            <a:lvl1pPr algn="l" defTabSz="914400" rtl="0" eaLnBrk="1" latinLnBrk="0" hangingPunct="1">
+              <a:lnSpc>
+                <a:spcPct val="90000"/>
+              </a:lnSpc>
+              <a:spcBef>
+                <a:spcPct val="0"/>
+              </a:spcBef>
+              <a:buNone/>
+              <a:defRPr sz="4400" kern="1200">
+                <a:solidFill>
+                  <a:schemeClr val="tx1"/>
+                </a:solidFill>
+                <a:latin typeface="+mj-lt"/>
+                <a:ea typeface="+mj-ea"/>
+                <a:cs typeface="+mj-cs"/>
+              </a:defRPr>
+            </a:lvl1pPr>
+          </a:lstStyle>
+          <a:p>
+            <a:pPr algn="ctr"/>
+            <a:r>
+              <a:rPr lang="en-US" sz="1800" dirty="0">
+                <a:solidFill>
+                  <a:srgbClr val="000000"/>
+                </a:solidFill>
+              </a:rPr>
+              <a:t>Steel Tariff &amp; Trade War as discussed.</a:t>
+            </a:r>
+          </a:p>
+        </p:txBody>
+      </p:sp>
+      <p:sp>
+        <p:nvSpPr>
+          <p:cNvPr id="14" name="Title 1">
+            <a:extLst>
+              <a:ext uri="{FF2B5EF4-FFF2-40B4-BE49-F238E27FC236}">
+                <a16:creationId xmlns:a16="http://schemas.microsoft.com/office/drawing/2014/main" id="{8F7DDD74-3E6B-014B-A8D0-8121E2BD113F}"/>
+              </a:ext>
+            </a:extLst>
+          </p:cNvPr>
+          <p:cNvSpPr txBox="1">
+            <a:spLocks/>
+          </p:cNvSpPr>
+          <p:nvPr/>
+        </p:nvSpPr>
+        <p:spPr>
+          <a:xfrm>
+            <a:off x="5465977" y="1081301"/>
+            <a:ext cx="3668927" cy="656946"/>
+          </a:xfrm>
+          <a:prstGeom prst="rect">
+            <a:avLst/>
+          </a:prstGeom>
+        </p:spPr>
+        <p:txBody>
+          <a:bodyPr vert="horz" lIns="91440" tIns="45720" rIns="91440" bIns="45720" rtlCol="0" anchor="t">
+            <a:noAutofit/>
+          </a:bodyPr>
+          <a:lstStyle>
+            <a:lvl1pPr algn="l" defTabSz="914400" rtl="0" eaLnBrk="1" latinLnBrk="0" hangingPunct="1">
+              <a:lnSpc>
+                <a:spcPct val="90000"/>
+              </a:lnSpc>
+              <a:spcBef>
+                <a:spcPct val="0"/>
+              </a:spcBef>
+              <a:buNone/>
+              <a:defRPr sz="4400" kern="1200">
+                <a:solidFill>
+                  <a:schemeClr val="tx1"/>
+                </a:solidFill>
+                <a:latin typeface="+mj-lt"/>
+                <a:ea typeface="+mj-ea"/>
+                <a:cs typeface="+mj-cs"/>
+              </a:defRPr>
+            </a:lvl1pPr>
+          </a:lstStyle>
+          <a:p>
+            <a:pPr algn="ctr"/>
+            <a:r>
+              <a:rPr lang="en-US" sz="1800" dirty="0">
+                <a:solidFill>
+                  <a:srgbClr val="000000"/>
+                </a:solidFill>
+              </a:rPr>
+              <a:t>US Steel Update: Declining Impact of Trade War &amp; Expected “Soft Landing” Recession</a:t>
+            </a:r>
+          </a:p>
+        </p:txBody>
+      </p:sp>
+      <p:sp>
+        <p:nvSpPr>
+          <p:cNvPr id="15" name="Rectangle 14">
+            <a:extLst>
+              <a:ext uri="{FF2B5EF4-FFF2-40B4-BE49-F238E27FC236}">
+                <a16:creationId xmlns:a16="http://schemas.microsoft.com/office/drawing/2014/main" id="{34D0A0AB-93CC-CD4A-8917-B8D2B8364ECA}"/>
+              </a:ext>
+            </a:extLst>
+          </p:cNvPr>
+          <p:cNvSpPr/>
+          <p:nvPr/>
+        </p:nvSpPr>
+        <p:spPr>
+          <a:xfrm>
+            <a:off x="5597236" y="1957811"/>
+            <a:ext cx="3311236" cy="2628044"/>
+          </a:xfrm>
+          <a:prstGeom prst="rect">
+            <a:avLst/>
+          </a:prstGeom>
+          <a:noFill/>
+          <a:ln w="38100">
+            <a:solidFill>
+              <a:schemeClr val="accent4"/>
+            </a:solidFill>
+          </a:ln>
+        </p:spPr>
+        <p:style>
+          <a:lnRef idx="2">
+            <a:schemeClr val="accent1">
+              <a:shade val="50000"/>
+            </a:schemeClr>
+          </a:lnRef>
+          <a:fillRef idx="1">
+            <a:schemeClr val="accent1"/>
+          </a:fillRef>
+          <a:effectRef idx="0">
+            <a:schemeClr val="accent1"/>
+          </a:effectRef>
+          <a:fontRef idx="minor">
+            <a:schemeClr val="lt1"/>
+          </a:fontRef>
+        </p:style>
+        <p:txBody>
+          <a:bodyPr rtlCol="0" anchor="ctr"/>
+          <a:lstStyle/>
+          <a:p>
+            <a:pPr algn="ctr"/>
+            <a:endParaRPr lang="en-US"/>
+          </a:p>
+        </p:txBody>
+      </p:sp>
+      <p:sp>
+        <p:nvSpPr>
+          <p:cNvPr id="16" name="Title 1">
+            <a:extLst>
+              <a:ext uri="{FF2B5EF4-FFF2-40B4-BE49-F238E27FC236}">
+                <a16:creationId xmlns:a16="http://schemas.microsoft.com/office/drawing/2014/main" id="{0497BBC4-D1A4-D443-B428-84FB5027A34A}"/>
+              </a:ext>
+            </a:extLst>
+          </p:cNvPr>
+          <p:cNvSpPr txBox="1">
+            <a:spLocks/>
+          </p:cNvSpPr>
+          <p:nvPr/>
+        </p:nvSpPr>
+        <p:spPr>
+          <a:xfrm>
+            <a:off x="9658275" y="1128713"/>
+            <a:ext cx="2533706" cy="656946"/>
+          </a:xfrm>
+          <a:prstGeom prst="rect">
+            <a:avLst/>
+          </a:prstGeom>
+        </p:spPr>
+        <p:txBody>
+          <a:bodyPr vert="horz" lIns="91440" tIns="45720" rIns="91440" bIns="45720" rtlCol="0" anchor="t">
+            <a:noAutofit/>
+          </a:bodyPr>
+          <a:lstStyle>
+            <a:lvl1pPr algn="l" defTabSz="914400" rtl="0" eaLnBrk="1" latinLnBrk="0" hangingPunct="1">
+              <a:lnSpc>
+                <a:spcPct val="90000"/>
+              </a:lnSpc>
+              <a:spcBef>
+                <a:spcPct val="0"/>
+              </a:spcBef>
+              <a:buNone/>
+              <a:defRPr sz="4400" kern="1200">
+                <a:solidFill>
+                  <a:schemeClr val="tx1"/>
+                </a:solidFill>
+                <a:latin typeface="+mj-lt"/>
+                <a:ea typeface="+mj-ea"/>
+                <a:cs typeface="+mj-cs"/>
+              </a:defRPr>
+            </a:lvl1pPr>
+          </a:lstStyle>
+          <a:p>
+            <a:pPr algn="ctr"/>
+            <a:r>
+              <a:rPr lang="en-US" sz="1800" dirty="0">
+                <a:solidFill>
+                  <a:srgbClr val="000000"/>
+                </a:solidFill>
+              </a:rPr>
+              <a:t>Pandemic Dip and Uncertainty</a:t>
+            </a:r>
+          </a:p>
+        </p:txBody>
+      </p:sp>
     </p:spTree>
     <p:extLst>
       <p:ext uri="{BB962C8B-B14F-4D97-AF65-F5344CB8AC3E}">
-        <p14:creationId xmlns:p14="http://schemas.microsoft.com/office/powerpoint/2010/main" val="3274903612"/>
+        <p14:creationId xmlns:p14="http://schemas.microsoft.com/office/powerpoint/2010/main" val="3737082149"/>
       </p:ext>
     </p:extLst>
   </p:cSld>
   <p:clrMapOvr>
     <a:masterClrMapping/>
   </p:clrMapOvr>
+  <p:timing>
+    <p:tnLst>
+      <p:par>
+        <p:cTn id="1" dur="indefinite" restart="never" nodeType="tmRoot">
+          <p:childTnLst>
+            <p:seq concurrent="1" nextAc="seek">
+              <p:cTn id="2" dur="indefinite" nodeType="mainSeq">
+                <p:childTnLst>
+                  <p:par>
+                    <p:cTn id="3" fill="hold">
+                      <p:stCondLst>
+                        <p:cond delay="indefinite"/>
+                      </p:stCondLst>
+                      <p:childTnLst>
+                        <p:par>
+                          <p:cTn id="4" fill="hold">
+                            <p:stCondLst>
+                              <p:cond delay="0"/>
+                            </p:stCondLst>
+                            <p:childTnLst>
+                              <p:par>
+                                <p:cTn id="5" presetID="1" presetClass="entr" presetSubtype="0" fill="hold" grpId="0" nodeType="clickEffect">
+                                  <p:stCondLst>
+                                    <p:cond delay="0"/>
+                                  </p:stCondLst>
+                                  <p:childTnLst>
+                                    <p:set>
+                                      <p:cBhvr>
+                                        <p:cTn id="6" dur="1" fill="hold">
+                                          <p:stCondLst>
+                                            <p:cond delay="0"/>
+                                          </p:stCondLst>
+                                        </p:cTn>
+                                        <p:tgtEl>
+                                          <p:spTgt spid="14"/>
+                                        </p:tgtEl>
+                                        <p:attrNameLst>
+                                          <p:attrName>style.visibility</p:attrName>
+                                        </p:attrNameLst>
+                                      </p:cBhvr>
+                                      <p:to>
+                                        <p:strVal val="visible"/>
+                                      </p:to>
+                                    </p:set>
+                                  </p:childTnLst>
+                                </p:cTn>
+                              </p:par>
+                              <p:par>
+                                <p:cTn id="7" presetID="1" presetClass="entr" presetSubtype="0" fill="hold" grpId="0" nodeType="withEffect">
+                                  <p:stCondLst>
+                                    <p:cond delay="0"/>
+                                  </p:stCondLst>
+                                  <p:childTnLst>
+                                    <p:set>
+                                      <p:cBhvr>
+                                        <p:cTn id="8" dur="1" fill="hold">
+                                          <p:stCondLst>
+                                            <p:cond delay="0"/>
+                                          </p:stCondLst>
+                                        </p:cTn>
+                                        <p:tgtEl>
+                                          <p:spTgt spid="15"/>
+                                        </p:tgtEl>
+                                        <p:attrNameLst>
+                                          <p:attrName>style.visibility</p:attrName>
+                                        </p:attrNameLst>
+                                      </p:cBhvr>
+                                      <p:to>
+                                        <p:strVal val="visible"/>
+                                      </p:to>
+                                    </p:set>
+                                  </p:childTnLst>
+                                </p:cTn>
+                              </p:par>
+                            </p:childTnLst>
+                          </p:cTn>
+                        </p:par>
+                      </p:childTnLst>
+                    </p:cTn>
+                  </p:par>
+                  <p:par>
+                    <p:cTn id="9" fill="hold">
+                      <p:stCondLst>
+                        <p:cond delay="indefinite"/>
+                      </p:stCondLst>
+                      <p:childTnLst>
+                        <p:par>
+                          <p:cTn id="10" fill="hold">
+                            <p:stCondLst>
+                              <p:cond delay="0"/>
+                            </p:stCondLst>
+                            <p:childTnLst>
+                              <p:par>
+                                <p:cTn id="11" presetID="1" presetClass="entr" presetSubtype="0" fill="hold" grpId="0" nodeType="clickEffect">
+                                  <p:stCondLst>
+                                    <p:cond delay="0"/>
+                                  </p:stCondLst>
+                                  <p:childTnLst>
+                                    <p:set>
+                                      <p:cBhvr>
+                                        <p:cTn id="12" dur="1" fill="hold">
+                                          <p:stCondLst>
+                                            <p:cond delay="0"/>
+                                          </p:stCondLst>
+                                        </p:cTn>
+                                        <p:tgtEl>
+                                          <p:spTgt spid="16"/>
+                                        </p:tgtEl>
+                                        <p:attrNameLst>
+                                          <p:attrName>style.visibility</p:attrName>
+                                        </p:attrNameLst>
+                                      </p:cBhvr>
+                                      <p:to>
+                                        <p:strVal val="visible"/>
+                                      </p:to>
+                                    </p:set>
+                                  </p:childTnLst>
+                                </p:cTn>
+                              </p:par>
+                              <p:par>
+                                <p:cTn id="13" presetID="1" presetClass="entr" presetSubtype="0" fill="hold" grpId="0" nodeType="withEffect">
+                                  <p:stCondLst>
+                                    <p:cond delay="0"/>
+                                  </p:stCondLst>
+                                  <p:childTnLst>
+                                    <p:set>
+                                      <p:cBhvr>
+                                        <p:cTn id="14" dur="1" fill="hold">
+                                          <p:stCondLst>
+                                            <p:cond delay="0"/>
+                                          </p:stCondLst>
+                                        </p:cTn>
+                                        <p:tgtEl>
+                                          <p:spTgt spid="10"/>
+                                        </p:tgtEl>
+                                        <p:attrNameLst>
+                                          <p:attrName>style.visibility</p:attrName>
+                                        </p:attrNameLst>
+                                      </p:cBhvr>
+                                      <p:to>
+                                        <p:strVal val="visible"/>
+                                      </p:to>
+                                    </p:set>
+                                  </p:childTnLst>
+                                </p:cTn>
+                              </p:par>
+                              <p:par>
+                                <p:cTn id="15" presetID="1" presetClass="entr" presetSubtype="0" fill="hold" grpId="0" nodeType="withEffect">
+                                  <p:stCondLst>
+                                    <p:cond delay="0"/>
+                                  </p:stCondLst>
+                                  <p:childTnLst>
+                                    <p:set>
+                                      <p:cBhvr>
+                                        <p:cTn id="16" dur="1" fill="hold">
+                                          <p:stCondLst>
+                                            <p:cond delay="0"/>
+                                          </p:stCondLst>
+                                        </p:cTn>
+                                        <p:tgtEl>
+                                          <p:spTgt spid="12"/>
+                                        </p:tgtEl>
+                                        <p:attrNameLst>
+                                          <p:attrName>style.visibility</p:attrName>
+                                        </p:attrNameLst>
+                                      </p:cBhvr>
+                                      <p:to>
+                                        <p:strVal val="visible"/>
+                                      </p:to>
+                                    </p:set>
+                                  </p:childTnLst>
+                                </p:cTn>
+                              </p:par>
+                            </p:childTnLst>
+                          </p:cTn>
+                        </p:par>
+                      </p:childTnLst>
+                    </p:cTn>
+                  </p:par>
+                </p:childTnLst>
+              </p:cTn>
+              <p:prevCondLst>
+                <p:cond evt="onPrev" delay="0">
+                  <p:tgtEl>
+                    <p:sldTgt/>
+                  </p:tgtEl>
+                </p:cond>
+              </p:prevCondLst>
+              <p:nextCondLst>
+                <p:cond evt="onNext" delay="0">
+                  <p:tgtEl>
+                    <p:sldTgt/>
+                  </p:tgtEl>
+                </p:cond>
+              </p:nextCondLst>
+            </p:seq>
+          </p:childTnLst>
+        </p:cTn>
+      </p:par>
+    </p:tnLst>
+    <p:bldLst>
+      <p:bldP spid="10" grpId="0" animBg="1"/>
+      <p:bldP spid="12" grpId="0" animBg="1"/>
+      <p:bldP spid="14" grpId="0"/>
+      <p:bldP spid="15" grpId="0" animBg="1"/>
+      <p:bldP spid="16" grpId="0"/>
+    </p:bldLst>
+  </p:timing>
 </p:sld>
 </file>
 
@@ -15472,10 +15765,10 @@
       </p:grpSpPr>
       <p:pic>
         <p:nvPicPr>
-          <p:cNvPr id="6" name="Picture 5" descr="Chart, line chart&#10;&#10;Description automatically generated">
+          <p:cNvPr id="8" name="Picture 7">
             <a:extLst>
               <a:ext uri="{FF2B5EF4-FFF2-40B4-BE49-F238E27FC236}">
-                <a16:creationId xmlns:a16="http://schemas.microsoft.com/office/drawing/2014/main" id="{B69D85C1-292C-4644-A557-BA0CA7070E0D}"/>
+                <a16:creationId xmlns:a16="http://schemas.microsoft.com/office/drawing/2014/main" id="{B45668FE-74E0-9E48-96A4-CE4F0E5072CB}"/>
               </a:ext>
             </a:extLst>
           </p:cNvPr>
@@ -15484,60 +15777,22 @@
           </p:cNvPicPr>
           <p:nvPr/>
         </p:nvPicPr>
-        <p:blipFill rotWithShape="1">
+        <p:blipFill>
           <a:blip r:embed="rId2"/>
-          <a:srcRect t="21920"/>
-          <a:stretch/>
+          <a:stretch>
+            <a:fillRect/>
+          </a:stretch>
         </p:blipFill>
         <p:spPr>
           <a:xfrm>
-            <a:off x="20" y="1128713"/>
-            <a:ext cx="12191980" cy="3879226"/>
+            <a:off x="-1" y="1144471"/>
+            <a:ext cx="12179227" cy="4108217"/>
           </a:xfrm>
           <a:prstGeom prst="rect">
             <a:avLst/>
           </a:prstGeom>
         </p:spPr>
       </p:pic>
-      <p:sp>
-        <p:nvSpPr>
-          <p:cNvPr id="2" name="Title 1">
-            <a:extLst>
-              <a:ext uri="{FF2B5EF4-FFF2-40B4-BE49-F238E27FC236}">
-                <a16:creationId xmlns:a16="http://schemas.microsoft.com/office/drawing/2014/main" id="{851B8590-3807-AA48-B7F5-C70EA60BEA58}"/>
-              </a:ext>
-            </a:extLst>
-          </p:cNvPr>
-          <p:cNvSpPr>
-            <a:spLocks noGrp="1"/>
-          </p:cNvSpPr>
-          <p:nvPr>
-            <p:ph type="title"/>
-          </p:nvPr>
-        </p:nvSpPr>
-        <p:spPr>
-          <a:xfrm>
-            <a:off x="804484" y="5566756"/>
-            <a:ext cx="10592174" cy="656946"/>
-          </a:xfrm>
-        </p:spPr>
-        <p:txBody>
-          <a:bodyPr vert="horz" lIns="91440" tIns="45720" rIns="91440" bIns="45720" rtlCol="0" anchor="t">
-            <a:noAutofit/>
-          </a:bodyPr>
-          <a:lstStyle/>
-          <a:p>
-            <a:r>
-              <a:rPr lang="en-US" sz="2400" dirty="0">
-                <a:solidFill>
-                  <a:srgbClr val="000000"/>
-                </a:solidFill>
-              </a:rPr>
-              <a:t>US Steel Update: Pandemic Fearful Economic Panic &amp; Uncertainty</a:t>
-            </a:r>
-          </a:p>
-        </p:txBody>
-      </p:sp>
       <p:sp>
         <p:nvSpPr>
           <p:cNvPr id="4" name="Footer Placeholder 3">
@@ -15588,126 +15843,42 @@
       </p:sp>
       <p:sp>
         <p:nvSpPr>
-          <p:cNvPr id="3" name="Date Placeholder 2">
+          <p:cNvPr id="7" name="TextBox 6">
             <a:extLst>
               <a:ext uri="{FF2B5EF4-FFF2-40B4-BE49-F238E27FC236}">
-                <a16:creationId xmlns:a16="http://schemas.microsoft.com/office/drawing/2014/main" id="{93A79EEB-4C34-CC4B-89F1-10BB12271616}"/>
+                <a16:creationId xmlns:a16="http://schemas.microsoft.com/office/drawing/2014/main" id="{A722C057-6739-CE4A-949B-9C25E9862636}"/>
               </a:ext>
             </a:extLst>
           </p:cNvPr>
-          <p:cNvSpPr>
-            <a:spLocks noGrp="1"/>
-          </p:cNvSpPr>
-          <p:nvPr>
-            <p:ph type="dt" sz="half" idx="10"/>
-          </p:nvPr>
+          <p:cNvSpPr txBox="1"/>
+          <p:nvPr/>
         </p:nvSpPr>
         <p:spPr>
           <a:xfrm>
-            <a:off x="7554138" y="6223702"/>
-            <a:ext cx="3108065" cy="314067"/>
-          </a:xfrm>
-        </p:spPr>
-        <p:txBody>
-          <a:bodyPr vert="horz" lIns="91440" tIns="45720" rIns="91440" bIns="45720" rtlCol="0" anchor="ctr">
-            <a:normAutofit/>
+            <a:off x="2957513" y="5800725"/>
+            <a:ext cx="184731" cy="369332"/>
+          </a:xfrm>
+          <a:prstGeom prst="rect">
+            <a:avLst/>
+          </a:prstGeom>
+          <a:noFill/>
+        </p:spPr>
+        <p:txBody>
+          <a:bodyPr wrap="none" rtlCol="0">
+            <a:spAutoFit/>
           </a:bodyPr>
           <a:lstStyle/>
           <a:p>
-            <a:pPr algn="r" defTabSz="914400">
-              <a:spcAft>
-                <a:spcPts val="600"/>
-              </a:spcAft>
-              <a:defRPr/>
-            </a:pPr>
-            <a:fld id="{6700A58B-DD98-43D0-B791-721480A02982}" type="datetime1">
-              <a:rPr lang="en-US" sz="1000">
-                <a:solidFill>
-                  <a:srgbClr val="898989"/>
-                </a:solidFill>
-                <a:latin typeface="Calibri" panose="020F0502020204030204"/>
-              </a:rPr>
-              <a:pPr algn="r" defTabSz="914400">
-                <a:spcAft>
-                  <a:spcPts val="600"/>
-                </a:spcAft>
-                <a:defRPr/>
-              </a:pPr>
-              <a:t>11/1/20</a:t>
-            </a:fld>
-            <a:endParaRPr lang="en-US" sz="1000">
-              <a:solidFill>
-                <a:srgbClr val="898989"/>
-              </a:solidFill>
-              <a:latin typeface="Calibri" panose="020F0502020204030204"/>
-            </a:endParaRPr>
-          </a:p>
-        </p:txBody>
-      </p:sp>
-      <p:sp>
-        <p:nvSpPr>
-          <p:cNvPr id="5" name="Slide Number Placeholder 4">
+            <a:endParaRPr lang="en-US" dirty="0"/>
+          </a:p>
+        </p:txBody>
+      </p:sp>
+      <p:sp>
+        <p:nvSpPr>
+          <p:cNvPr id="13" name="Rectangle 12">
             <a:extLst>
               <a:ext uri="{FF2B5EF4-FFF2-40B4-BE49-F238E27FC236}">
-                <a16:creationId xmlns:a16="http://schemas.microsoft.com/office/drawing/2014/main" id="{5EF1DC29-158C-BB4B-8432-282578F47A57}"/>
-              </a:ext>
-            </a:extLst>
-          </p:cNvPr>
-          <p:cNvSpPr>
-            <a:spLocks noGrp="1"/>
-          </p:cNvSpPr>
-          <p:nvPr>
-            <p:ph type="sldNum" sz="quarter" idx="4"/>
-          </p:nvPr>
-        </p:nvSpPr>
-        <p:spPr>
-          <a:xfrm>
-            <a:off x="10825930" y="6223702"/>
-            <a:ext cx="570728" cy="314067"/>
-          </a:xfrm>
-        </p:spPr>
-        <p:txBody>
-          <a:bodyPr vert="horz" lIns="91440" tIns="45720" rIns="91440" bIns="45720" rtlCol="0" anchor="ctr">
-            <a:normAutofit/>
-          </a:bodyPr>
-          <a:lstStyle/>
-          <a:p>
-            <a:pPr defTabSz="914400">
-              <a:spcAft>
-                <a:spcPts val="600"/>
-              </a:spcAft>
-              <a:defRPr/>
-            </a:pPr>
-            <a:fld id="{37290FF7-652B-4475-AEAB-8B1A5D23AE09}" type="slidenum">
-              <a:rPr lang="en-US" sz="1000">
-                <a:solidFill>
-                  <a:srgbClr val="898989"/>
-                </a:solidFill>
-                <a:latin typeface="Calibri" panose="020F0502020204030204"/>
-              </a:rPr>
-              <a:pPr defTabSz="914400">
-                <a:spcAft>
-                  <a:spcPts val="600"/>
-                </a:spcAft>
-                <a:defRPr/>
-              </a:pPr>
-              <a:t>28</a:t>
-            </a:fld>
-            <a:endParaRPr lang="en-US" sz="1000">
-              <a:solidFill>
-                <a:srgbClr val="898989"/>
-              </a:solidFill>
-              <a:latin typeface="Calibri" panose="020F0502020204030204"/>
-            </a:endParaRPr>
-          </a:p>
-        </p:txBody>
-      </p:sp>
-      <p:sp>
-        <p:nvSpPr>
-          <p:cNvPr id="10" name="Rectangle 9">
-            <a:extLst>
-              <a:ext uri="{FF2B5EF4-FFF2-40B4-BE49-F238E27FC236}">
-                <a16:creationId xmlns:a16="http://schemas.microsoft.com/office/drawing/2014/main" id="{151F1B89-FAA0-C24D-B1D7-0AB17D77742E}"/>
+                <a16:creationId xmlns:a16="http://schemas.microsoft.com/office/drawing/2014/main" id="{D9E76B05-6FD3-6C42-93F7-C5B5DF4B7014}"/>
               </a:ext>
             </a:extLst>
           </p:cNvPr>
@@ -15715,9 +15886,9 @@
           <p:nvPr/>
         </p:nvSpPr>
         <p:spPr>
-          <a:xfrm>
-            <a:off x="10115551" y="3786188"/>
-            <a:ext cx="342900" cy="500062"/>
+          <a:xfrm flipH="1">
+            <a:off x="10825929" y="1957811"/>
+            <a:ext cx="1291001" cy="2628044"/>
           </a:xfrm>
           <a:prstGeom prst="rect">
             <a:avLst/>
@@ -15756,84 +15927,86 @@
       </p:sp>
       <p:sp>
         <p:nvSpPr>
-          <p:cNvPr id="7" name="TextBox 6">
+          <p:cNvPr id="14" name="Title 1">
             <a:extLst>
               <a:ext uri="{FF2B5EF4-FFF2-40B4-BE49-F238E27FC236}">
-                <a16:creationId xmlns:a16="http://schemas.microsoft.com/office/drawing/2014/main" id="{A722C057-6739-CE4A-949B-9C25E9862636}"/>
+                <a16:creationId xmlns:a16="http://schemas.microsoft.com/office/drawing/2014/main" id="{F7B1E4D7-A2CC-6943-9A4F-32966BD50EC8}"/>
               </a:ext>
             </a:extLst>
           </p:cNvPr>
-          <p:cNvSpPr txBox="1"/>
+          <p:cNvSpPr txBox="1">
+            <a:spLocks/>
+          </p:cNvSpPr>
           <p:nvPr/>
         </p:nvSpPr>
         <p:spPr>
           <a:xfrm>
-            <a:off x="2957513" y="5800725"/>
-            <a:ext cx="184731" cy="369332"/>
+            <a:off x="9809017" y="815358"/>
+            <a:ext cx="2370209" cy="656946"/>
           </a:xfrm>
           <a:prstGeom prst="rect">
             <a:avLst/>
           </a:prstGeom>
-          <a:noFill/>
-        </p:spPr>
-        <p:txBody>
-          <a:bodyPr wrap="none" rtlCol="0">
-            <a:spAutoFit/>
+        </p:spPr>
+        <p:txBody>
+          <a:bodyPr vert="horz" lIns="91440" tIns="45720" rIns="91440" bIns="45720" rtlCol="0" anchor="t">
+            <a:noAutofit/>
           </a:bodyPr>
-          <a:lstStyle/>
-          <a:p>
-            <a:endParaRPr lang="en-US" dirty="0"/>
-          </a:p>
-        </p:txBody>
-      </p:sp>
-      <p:sp>
-        <p:nvSpPr>
-          <p:cNvPr id="12" name="Rectangle 11">
+          <a:lstStyle>
+            <a:lvl1pPr algn="l" defTabSz="914400" rtl="0" eaLnBrk="1" latinLnBrk="0" hangingPunct="1">
+              <a:lnSpc>
+                <a:spcPct val="90000"/>
+              </a:lnSpc>
+              <a:spcBef>
+                <a:spcPct val="0"/>
+              </a:spcBef>
+              <a:buNone/>
+              <a:defRPr sz="4400" kern="1200">
+                <a:solidFill>
+                  <a:schemeClr val="tx1"/>
+                </a:solidFill>
+                <a:latin typeface="+mj-lt"/>
+                <a:ea typeface="+mj-ea"/>
+                <a:cs typeface="+mj-cs"/>
+              </a:defRPr>
+            </a:lvl1pPr>
+          </a:lstStyle>
+          <a:p>
+            <a:pPr algn="ctr"/>
+            <a:r>
+              <a:rPr lang="en-US" sz="1800" dirty="0">
+                <a:solidFill>
+                  <a:srgbClr val="000000"/>
+                </a:solidFill>
+              </a:rPr>
+              <a:t>Looks like a positive momentum?  Improving US economy, infrastructure bill</a:t>
+            </a:r>
+          </a:p>
+        </p:txBody>
+      </p:sp>
+      <p:sp>
+        <p:nvSpPr>
+          <p:cNvPr id="15" name="Title 14">
             <a:extLst>
               <a:ext uri="{FF2B5EF4-FFF2-40B4-BE49-F238E27FC236}">
-                <a16:creationId xmlns:a16="http://schemas.microsoft.com/office/drawing/2014/main" id="{D94C6684-7B8B-634E-A64E-E13F2D60C482}"/>
+                <a16:creationId xmlns:a16="http://schemas.microsoft.com/office/drawing/2014/main" id="{0614FDF8-6A2F-A848-AF45-1A1E88D45565}"/>
               </a:ext>
             </a:extLst>
           </p:cNvPr>
-          <p:cNvSpPr/>
-          <p:nvPr/>
-        </p:nvSpPr>
-        <p:spPr>
-          <a:xfrm>
-            <a:off x="10753725" y="3786188"/>
-            <a:ext cx="1119188" cy="385762"/>
-          </a:xfrm>
-          <a:prstGeom prst="rect">
-            <a:avLst/>
-          </a:prstGeom>
-          <a:noFill/>
-          <a:ln w="38100">
-            <a:solidFill>
-              <a:schemeClr val="accent4"/>
-            </a:solidFill>
-          </a:ln>
-        </p:spPr>
-        <p:style>
-          <a:lnRef idx="2">
-            <a:schemeClr val="accent1">
-              <a:shade val="50000"/>
-            </a:schemeClr>
-          </a:lnRef>
-          <a:fillRef idx="1">
-            <a:schemeClr val="accent1"/>
-          </a:fillRef>
-          <a:effectRef idx="0">
-            <a:schemeClr val="accent1"/>
-          </a:effectRef>
-          <a:fontRef idx="minor">
-            <a:schemeClr val="lt1"/>
-          </a:fontRef>
-        </p:style>
-        <p:txBody>
-          <a:bodyPr rtlCol="0" anchor="ctr"/>
-          <a:lstStyle/>
-          <a:p>
-            <a:pPr algn="ctr"/>
+          <p:cNvSpPr>
+            <a:spLocks noGrp="1"/>
+          </p:cNvSpPr>
+          <p:nvPr>
+            <p:ph type="title"/>
+          </p:nvPr>
+        </p:nvSpPr>
+        <p:spPr/>
+        <p:txBody>
+          <a:bodyPr>
+            <a:normAutofit fontScale="90000"/>
+          </a:bodyPr>
+          <a:lstStyle/>
+          <a:p>
             <a:endParaRPr lang="en-US"/>
           </a:p>
         </p:txBody>
@@ -15841,7 +16014,7 @@
     </p:spTree>
     <p:extLst>
       <p:ext uri="{BB962C8B-B14F-4D97-AF65-F5344CB8AC3E}">
-        <p14:creationId xmlns:p14="http://schemas.microsoft.com/office/powerpoint/2010/main" val="3737082149"/>
+        <p14:creationId xmlns:p14="http://schemas.microsoft.com/office/powerpoint/2010/main" val="3274903612"/>
       </p:ext>
     </p:extLst>
   </p:cSld>
@@ -15926,7 +16099,7 @@
           <a:p>
             <a:fld id="{6700A58B-DD98-43D0-B791-721480A02982}" type="datetime1">
               <a:rPr lang="en-US" smtClean="0"/>
-              <a:t>11/1/20</a:t>
+              <a:t>4/12/21</a:t>
             </a:fld>
             <a:endParaRPr lang="en-US"/>
           </a:p>
@@ -16065,7 +16238,7 @@
           <a:p>
             <a:fld id="{6700A58B-DD98-43D0-B791-721480A02982}" type="datetime1">
               <a:rPr lang="en-US" smtClean="0"/>
-              <a:t>11/1/20</a:t>
+              <a:t>4/12/21</a:t>
             </a:fld>
             <a:endParaRPr lang="en-US"/>
           </a:p>
@@ -16551,7 +16724,7 @@
           <a:p>
             <a:fld id="{6700A58B-DD98-43D0-B791-721480A02982}" type="datetime1">
               <a:rPr lang="en-US" smtClean="0"/>
-              <a:t>11/1/20</a:t>
+              <a:t>4/12/21</a:t>
             </a:fld>
             <a:endParaRPr lang="en-US"/>
           </a:p>
@@ -17012,7 +17185,7 @@
           <a:p>
             <a:fld id="{9B19E99B-5349-415A-8E56-8E989211A366}" type="datetime1">
               <a:rPr lang="en-US" smtClean="0"/>
-              <a:t>11/1/20</a:t>
+              <a:t>4/12/21</a:t>
             </a:fld>
             <a:endParaRPr lang="en-US"/>
           </a:p>
@@ -17243,7 +17416,7 @@
           <a:p>
             <a:fld id="{6700A58B-DD98-43D0-B791-721480A02982}" type="datetime1">
               <a:rPr lang="en-US" smtClean="0"/>
-              <a:t>11/1/20</a:t>
+              <a:t>4/12/21</a:t>
             </a:fld>
             <a:endParaRPr lang="en-US"/>
           </a:p>
@@ -17800,7 +17973,7 @@
           <a:p>
             <a:fld id="{9B19E99B-5349-415A-8E56-8E989211A366}" type="datetime1">
               <a:rPr lang="en-US" smtClean="0"/>
-              <a:t>11/1/20</a:t>
+              <a:t>4/12/21</a:t>
             </a:fld>
             <a:endParaRPr lang="en-US"/>
           </a:p>
@@ -18098,7 +18271,7 @@
           <a:p>
             <a:fld id="{6700A58B-DD98-43D0-B791-721480A02982}" type="datetime1">
               <a:rPr lang="en-US" smtClean="0"/>
-              <a:t>11/1/20</a:t>
+              <a:t>4/12/21</a:t>
             </a:fld>
             <a:endParaRPr lang="en-US"/>
           </a:p>
@@ -18796,7 +18969,7 @@
           <a:p>
             <a:fld id="{6700A58B-DD98-43D0-B791-721480A02982}" type="datetime1">
               <a:rPr lang="en-US" smtClean="0"/>
-              <a:t>11/1/20</a:t>
+              <a:t>4/12/21</a:t>
             </a:fld>
             <a:endParaRPr lang="en-US"/>
           </a:p>
@@ -19332,7 +19505,7 @@
           <a:p>
             <a:fld id="{9B19E99B-5349-415A-8E56-8E989211A366}" type="datetime1">
               <a:rPr lang="en-US" smtClean="0"/>
-              <a:t>11/1/20</a:t>
+              <a:t>4/12/21</a:t>
             </a:fld>
             <a:endParaRPr lang="en-US"/>
           </a:p>
@@ -19568,7 +19741,7 @@
           <a:p>
             <a:fld id="{6700A58B-DD98-43D0-B791-721480A02982}" type="datetime1">
               <a:rPr lang="en-US" smtClean="0"/>
-              <a:t>11/1/20</a:t>
+              <a:t>4/12/21</a:t>
             </a:fld>
             <a:endParaRPr lang="en-US"/>
           </a:p>
@@ -20081,7 +20254,7 @@
           <a:p>
             <a:fld id="{6700A58B-DD98-43D0-B791-721480A02982}" type="datetime1">
               <a:rPr lang="en-US" smtClean="0"/>
-              <a:t>11/1/20</a:t>
+              <a:t>4/12/21</a:t>
             </a:fld>
             <a:endParaRPr lang="en-US"/>
           </a:p>
@@ -20459,7 +20632,7 @@
           <a:p>
             <a:fld id="{6700A58B-DD98-43D0-B791-721480A02982}" type="datetime1">
               <a:rPr lang="en-US" smtClean="0"/>
-              <a:t>11/1/20</a:t>
+              <a:t>4/12/21</a:t>
             </a:fld>
             <a:endParaRPr lang="en-US"/>
           </a:p>
@@ -20860,7 +21033,7 @@
           <a:p>
             <a:fld id="{6700A58B-DD98-43D0-B791-721480A02982}" type="datetime1">
               <a:rPr lang="en-US" smtClean="0"/>
-              <a:t>11/1/20</a:t>
+              <a:t>4/12/21</a:t>
             </a:fld>
             <a:endParaRPr lang="en-US"/>
           </a:p>
@@ -21292,7 +21465,7 @@
           <a:p>
             <a:fld id="{6700A58B-DD98-43D0-B791-721480A02982}" type="datetime1">
               <a:rPr lang="en-US" smtClean="0"/>
-              <a:t>11/1/20</a:t>
+              <a:t>4/12/21</a:t>
             </a:fld>
             <a:endParaRPr lang="en-US"/>
           </a:p>
@@ -21716,7 +21889,7 @@
           <a:p>
             <a:fld id="{6700A58B-DD98-43D0-B791-721480A02982}" type="datetime1">
               <a:rPr lang="en-US" smtClean="0"/>
-              <a:t>11/1/20</a:t>
+              <a:t>4/12/21</a:t>
             </a:fld>
             <a:endParaRPr lang="en-US"/>
           </a:p>
@@ -22219,7 +22392,7 @@
           <a:p>
             <a:fld id="{6700A58B-DD98-43D0-B791-721480A02982}" type="datetime1">
               <a:rPr lang="en-US" smtClean="0"/>
-              <a:t>11/1/20</a:t>
+              <a:t>4/12/21</a:t>
             </a:fld>
             <a:endParaRPr lang="en-US"/>
           </a:p>
@@ -22690,7 +22863,7 @@
           <a:p>
             <a:fld id="{9B19E99B-5349-415A-8E56-8E989211A366}" type="datetime1">
               <a:rPr lang="en-US" smtClean="0"/>
-              <a:t>11/1/20</a:t>
+              <a:t>4/12/21</a:t>
             </a:fld>
             <a:endParaRPr lang="en-US"/>
           </a:p>
@@ -22946,7 +23119,7 @@
           <a:p>
             <a:fld id="{6700A58B-DD98-43D0-B791-721480A02982}" type="datetime1">
               <a:rPr lang="en-US" smtClean="0"/>
-              <a:t>11/1/20</a:t>
+              <a:t>4/12/21</a:t>
             </a:fld>
             <a:endParaRPr lang="en-US"/>
           </a:p>
@@ -23536,7 +23709,7 @@
           <a:p>
             <a:fld id="{6700A58B-DD98-43D0-B791-721480A02982}" type="datetime1">
               <a:rPr lang="en-US" smtClean="0"/>
-              <a:t>11/1/20</a:t>
+              <a:t>4/12/21</a:t>
             </a:fld>
             <a:endParaRPr lang="en-US"/>
           </a:p>
@@ -24441,7 +24614,7 @@
           <a:p>
             <a:fld id="{6700A58B-DD98-43D0-B791-721480A02982}" type="datetime1">
               <a:rPr lang="en-US" smtClean="0"/>
-              <a:t>11/1/20</a:t>
+              <a:t>4/12/21</a:t>
             </a:fld>
             <a:endParaRPr lang="en-US"/>
           </a:p>
@@ -25933,7 +26106,7 @@
           <a:p>
             <a:fld id="{6700A58B-DD98-43D0-B791-721480A02982}" type="datetime1">
               <a:rPr lang="en-US" smtClean="0"/>
-              <a:t>11/1/20</a:t>
+              <a:t>4/12/21</a:t>
             </a:fld>
             <a:endParaRPr lang="en-US"/>
           </a:p>
@@ -26398,7 +26571,7 @@
           <a:p>
             <a:fld id="{6700A58B-DD98-43D0-B791-721480A02982}" type="datetime1">
               <a:rPr lang="en-US" smtClean="0"/>
-              <a:t>11/1/20</a:t>
+              <a:t>4/12/21</a:t>
             </a:fld>
             <a:endParaRPr lang="en-US"/>
           </a:p>
@@ -27209,7 +27382,7 @@
           <a:p>
             <a:fld id="{6700A58B-DD98-43D0-B791-721480A02982}" type="datetime1">
               <a:rPr lang="en-US" smtClean="0"/>
-              <a:t>11/1/20</a:t>
+              <a:t>4/12/21</a:t>
             </a:fld>
             <a:endParaRPr lang="en-US"/>
           </a:p>
@@ -27670,7 +27843,7 @@
           <a:p>
             <a:fld id="{6700A58B-DD98-43D0-B791-721480A02982}" type="datetime1">
               <a:rPr lang="en-US" smtClean="0"/>
-              <a:t>11/1/20</a:t>
+              <a:t>4/12/21</a:t>
             </a:fld>
             <a:endParaRPr lang="en-US"/>
           </a:p>
@@ -28071,7 +28244,7 @@
           <a:p>
             <a:fld id="{6700A58B-DD98-43D0-B791-721480A02982}" type="datetime1">
               <a:rPr lang="en-US" smtClean="0"/>
-              <a:t>11/1/20</a:t>
+              <a:t>4/12/21</a:t>
             </a:fld>
             <a:endParaRPr lang="en-US"/>
           </a:p>
@@ -28548,7 +28721,7 @@
           <a:p>
             <a:fld id="{6700A58B-DD98-43D0-B791-721480A02982}" type="datetime1">
               <a:rPr lang="en-US" smtClean="0"/>
-              <a:t>11/1/20</a:t>
+              <a:t>4/12/21</a:t>
             </a:fld>
             <a:endParaRPr lang="en-US"/>
           </a:p>
@@ -29361,7 +29534,7 @@
           <a:p>
             <a:fld id="{9B19E99B-5349-415A-8E56-8E989211A366}" type="datetime1">
               <a:rPr lang="en-US" smtClean="0"/>
-              <a:t>11/1/20</a:t>
+              <a:t>4/12/21</a:t>
             </a:fld>
             <a:endParaRPr lang="en-US"/>
           </a:p>
@@ -29592,7 +29765,7 @@
           <a:p>
             <a:fld id="{6700A58B-DD98-43D0-B791-721480A02982}" type="datetime1">
               <a:rPr lang="en-US" smtClean="0"/>
-              <a:t>11/1/20</a:t>
+              <a:t>4/12/21</a:t>
             </a:fld>
             <a:endParaRPr lang="en-US"/>
           </a:p>
@@ -30144,7 +30317,7 @@
           <a:p>
             <a:fld id="{9B19E99B-5349-415A-8E56-8E989211A366}" type="datetime1">
               <a:rPr lang="en-US" smtClean="0"/>
-              <a:t>11/1/20</a:t>
+              <a:t>4/12/21</a:t>
             </a:fld>
             <a:endParaRPr lang="en-US"/>
           </a:p>
@@ -30392,7 +30565,7 @@
           <a:p>
             <a:fld id="{6700A58B-DD98-43D0-B791-721480A02982}" type="datetime1">
               <a:rPr lang="en-US" smtClean="0"/>
-              <a:t>11/1/20</a:t>
+              <a:t>4/12/21</a:t>
             </a:fld>
             <a:endParaRPr lang="en-US"/>
           </a:p>
@@ -30888,7 +31061,7 @@
           <a:p>
             <a:fld id="{6700A58B-DD98-43D0-B791-721480A02982}" type="datetime1">
               <a:rPr lang="en-US" smtClean="0"/>
-              <a:t>11/1/20</a:t>
+              <a:t>4/12/21</a:t>
             </a:fld>
             <a:endParaRPr lang="en-US"/>
           </a:p>
@@ -31485,7 +31658,7 @@
           <a:p>
             <a:fld id="{6700A58B-DD98-43D0-B791-721480A02982}" type="datetime1">
               <a:rPr lang="en-US" smtClean="0"/>
-              <a:t>11/1/20</a:t>
+              <a:t>4/12/21</a:t>
             </a:fld>
             <a:endParaRPr lang="en-US"/>
           </a:p>
@@ -31951,7 +32124,7 @@
           <a:p>
             <a:fld id="{9B19E99B-5349-415A-8E56-8E989211A366}" type="datetime1">
               <a:rPr lang="en-US" smtClean="0"/>
-              <a:t>11/1/20</a:t>
+              <a:t>4/12/21</a:t>
             </a:fld>
             <a:endParaRPr lang="en-US"/>
           </a:p>
@@ -32194,7 +32367,7 @@
           <a:p>
             <a:fld id="{6700A58B-DD98-43D0-B791-721480A02982}" type="datetime1">
               <a:rPr lang="en-US" smtClean="0"/>
-              <a:t>11/1/20</a:t>
+              <a:t>4/12/21</a:t>
             </a:fld>
             <a:endParaRPr lang="en-US"/>
           </a:p>
@@ -32385,7 +32558,7 @@
           <a:p>
             <a:fld id="{6700A58B-DD98-43D0-B791-721480A02982}" type="datetime1">
               <a:rPr lang="en-US" smtClean="0"/>
-              <a:t>11/1/20</a:t>
+              <a:t>4/12/21</a:t>
             </a:fld>
             <a:endParaRPr lang="en-US"/>
           </a:p>
@@ -32819,7 +32992,7 @@
           <a:p>
             <a:fld id="{6700A58B-DD98-43D0-B791-721480A02982}" type="datetime1">
               <a:rPr lang="en-US" smtClean="0"/>
-              <a:t>11/1/20</a:t>
+              <a:t>4/12/21</a:t>
             </a:fld>
             <a:endParaRPr lang="en-US"/>
           </a:p>
@@ -33611,7 +33784,7 @@
           <a:p>
             <a:fld id="{9B19E99B-5349-415A-8E56-8E989211A366}" type="datetime1">
               <a:rPr lang="en-US" smtClean="0"/>
-              <a:t>11/1/20</a:t>
+              <a:t>4/12/21</a:t>
             </a:fld>
             <a:endParaRPr lang="en-US"/>
           </a:p>
@@ -33842,7 +34015,7 @@
           <a:p>
             <a:fld id="{6700A58B-DD98-43D0-B791-721480A02982}" type="datetime1">
               <a:rPr lang="en-US" smtClean="0"/>
-              <a:t>11/1/20</a:t>
+              <a:t>4/12/21</a:t>
             </a:fld>
             <a:endParaRPr lang="en-US" dirty="0"/>
           </a:p>
@@ -34238,7 +34411,7 @@
           <a:p>
             <a:fld id="{6700A58B-DD98-43D0-B791-721480A02982}" type="datetime1">
               <a:rPr lang="en-US" smtClean="0"/>
-              <a:t>11/1/20</a:t>
+              <a:t>4/12/21</a:t>
             </a:fld>
             <a:endParaRPr lang="en-US"/>
           </a:p>
@@ -34668,7 +34841,7 @@
           <a:p>
             <a:fld id="{9B19E99B-5349-415A-8E56-8E989211A366}" type="datetime1">
               <a:rPr lang="en-US" smtClean="0"/>
-              <a:t>11/1/20</a:t>
+              <a:t>4/12/21</a:t>
             </a:fld>
             <a:endParaRPr lang="en-US"/>
           </a:p>
@@ -34899,7 +35072,7 @@
           <a:p>
             <a:fld id="{6700A58B-DD98-43D0-B791-721480A02982}" type="datetime1">
               <a:rPr lang="en-US" smtClean="0"/>
-              <a:t>11/1/20</a:t>
+              <a:t>4/12/21</a:t>
             </a:fld>
             <a:endParaRPr lang="en-US"/>
           </a:p>
@@ -35339,7 +35512,7 @@
           <a:p>
             <a:fld id="{9B19E99B-5349-415A-8E56-8E989211A366}" type="datetime1">
               <a:rPr lang="en-US" smtClean="0"/>
-              <a:t>11/1/20</a:t>
+              <a:t>4/12/21</a:t>
             </a:fld>
             <a:endParaRPr lang="en-US"/>
           </a:p>
@@ -35930,7 +36103,7 @@
                   <a:spcPts val="600"/>
                 </a:spcAft>
               </a:pPr>
-              <a:t>11/1/20</a:t>
+              <a:t>4/12/21</a:t>
             </a:fld>
             <a:endParaRPr lang="en-US">
               <a:solidFill>
@@ -36072,7 +36245,7 @@
           <a:p>
             <a:fld id="{6700A58B-DD98-43D0-B791-721480A02982}" type="datetime1">
               <a:rPr lang="en-US" smtClean="0"/>
-              <a:t>11/1/20</a:t>
+              <a:t>4/12/21</a:t>
             </a:fld>
             <a:endParaRPr lang="en-US"/>
           </a:p>
@@ -36278,7 +36451,7 @@
           <a:p>
             <a:fld id="{6700A58B-DD98-43D0-B791-721480A02982}" type="datetime1">
               <a:rPr lang="en-US" smtClean="0"/>
-              <a:t>11/1/20</a:t>
+              <a:t>4/12/21</a:t>
             </a:fld>
             <a:endParaRPr lang="en-US"/>
           </a:p>
@@ -36564,7 +36737,7 @@
           <a:p>
             <a:fld id="{6700A58B-DD98-43D0-B791-721480A02982}" type="datetime1">
               <a:rPr lang="en-US" smtClean="0"/>
-              <a:t>11/1/20</a:t>
+              <a:t>4/12/21</a:t>
             </a:fld>
             <a:endParaRPr lang="en-US"/>
           </a:p>
@@ -37102,7 +37275,7 @@
           <a:p>
             <a:fld id="{6700A58B-DD98-43D0-B791-721480A02982}" type="datetime1">
               <a:rPr lang="en-US" smtClean="0"/>
-              <a:t>11/1/20</a:t>
+              <a:t>4/12/21</a:t>
             </a:fld>
             <a:endParaRPr lang="en-US"/>
           </a:p>
@@ -37713,7 +37886,7 @@
           <a:p>
             <a:fld id="{6700A58B-DD98-43D0-B791-721480A02982}" type="datetime1">
               <a:rPr lang="en-US" smtClean="0"/>
-              <a:t>11/1/20</a:t>
+              <a:t>4/12/21</a:t>
             </a:fld>
             <a:endParaRPr lang="en-US"/>
           </a:p>
@@ -38440,7 +38613,7 @@
           <a:p>
             <a:fld id="{9B19E99B-5349-415A-8E56-8E989211A366}" type="datetime1">
               <a:rPr lang="en-US" smtClean="0"/>
-              <a:t>11/1/20</a:t>
+              <a:t>4/12/21</a:t>
             </a:fld>
             <a:endParaRPr lang="en-US"/>
           </a:p>
@@ -38671,7 +38844,7 @@
           <a:p>
             <a:fld id="{6700A58B-DD98-43D0-B791-721480A02982}" type="datetime1">
               <a:rPr lang="en-US" smtClean="0"/>
-              <a:t>11/1/20</a:t>
+              <a:t>4/12/21</a:t>
             </a:fld>
             <a:endParaRPr lang="en-US"/>
           </a:p>
@@ -39276,7 +39449,7 @@
           <a:p>
             <a:fld id="{9B19E99B-5349-415A-8E56-8E989211A366}" type="datetime1">
               <a:rPr lang="en-US" smtClean="0"/>
-              <a:t>11/1/20</a:t>
+              <a:t>4/12/21</a:t>
             </a:fld>
             <a:endParaRPr lang="en-US"/>
           </a:p>
@@ -39507,7 +39680,7 @@
           <a:p>
             <a:fld id="{6700A58B-DD98-43D0-B791-721480A02982}" type="datetime1">
               <a:rPr lang="en-US" smtClean="0"/>
-              <a:t>11/1/20</a:t>
+              <a:t>4/12/21</a:t>
             </a:fld>
             <a:endParaRPr lang="en-US"/>
           </a:p>
@@ -39949,7 +40122,7 @@
           <a:p>
             <a:fld id="{9B19E99B-5349-415A-8E56-8E989211A366}" type="datetime1">
               <a:rPr lang="en-US" smtClean="0"/>
-              <a:t>11/1/20</a:t>
+              <a:t>4/12/21</a:t>
             </a:fld>
             <a:endParaRPr lang="en-US"/>
           </a:p>
@@ -40180,7 +40353,7 @@
           <a:p>
             <a:fld id="{6700A58B-DD98-43D0-B791-721480A02982}" type="datetime1">
               <a:rPr lang="en-US" smtClean="0"/>
-              <a:t>11/1/20</a:t>
+              <a:t>4/12/21</a:t>
             </a:fld>
             <a:endParaRPr lang="en-US"/>
           </a:p>
@@ -40540,7 +40713,7 @@
           <a:p>
             <a:fld id="{6700A58B-DD98-43D0-B791-721480A02982}" type="datetime1">
               <a:rPr lang="en-US" smtClean="0"/>
-              <a:t>11/1/20</a:t>
+              <a:t>4/12/21</a:t>
             </a:fld>
             <a:endParaRPr lang="en-US"/>
           </a:p>
@@ -42000,7 +42173,7 @@
           <a:p>
             <a:fld id="{6700A58B-DD98-43D0-B791-721480A02982}" type="datetime1">
               <a:rPr lang="en-US" smtClean="0"/>
-              <a:t>11/1/20</a:t>
+              <a:t>4/12/21</a:t>
             </a:fld>
             <a:endParaRPr lang="en-US"/>
           </a:p>
@@ -42319,7 +42492,7 @@
           <a:p>
             <a:fld id="{6700A58B-DD98-43D0-B791-721480A02982}" type="datetime1">
               <a:rPr lang="en-US" smtClean="0"/>
-              <a:t>11/1/20</a:t>
+              <a:t>4/12/21</a:t>
             </a:fld>
             <a:endParaRPr lang="en-US"/>
           </a:p>
@@ -42531,7 +42704,7 @@
           <a:p>
             <a:fld id="{6700A58B-DD98-43D0-B791-721480A02982}" type="datetime1">
               <a:rPr lang="en-US" smtClean="0"/>
-              <a:t>11/1/20</a:t>
+              <a:t>4/12/21</a:t>
             </a:fld>
             <a:endParaRPr lang="en-US"/>
           </a:p>
@@ -42915,7 +43088,7 @@
           <a:p>
             <a:fld id="{6700A58B-DD98-43D0-B791-721480A02982}" type="datetime1">
               <a:rPr lang="en-US" smtClean="0"/>
-              <a:t>11/1/20</a:t>
+              <a:t>4/12/21</a:t>
             </a:fld>
             <a:endParaRPr lang="en-US"/>
           </a:p>
@@ -43215,7 +43388,7 @@
           <a:p>
             <a:fld id="{6700A58B-DD98-43D0-B791-721480A02982}" type="datetime1">
               <a:rPr lang="en-US" smtClean="0"/>
-              <a:t>11/1/20</a:t>
+              <a:t>4/12/21</a:t>
             </a:fld>
             <a:endParaRPr lang="en-US"/>
           </a:p>
